--- a/NodeJS/lesson_31/Presentation/mysql.pptx
+++ b/NodeJS/lesson_31/Presentation/mysql.pptx
@@ -112,6 +112,22 @@
       </a:defRPr>
     </a:lvl9pPr>
   </p:defaultTextStyle>
+  <p:extLst>
+    <p:ext uri="{EFAFB233-063F-42B5-8137-9DF3F51BA10A}">
+      <p15:sldGuideLst xmlns:p15="http://schemas.microsoft.com/office/powerpoint/2012/main">
+        <p15:guide id="1" orient="horz" pos="2160">
+          <p15:clr>
+            <a:srgbClr val="A4A3A4"/>
+          </p15:clr>
+        </p15:guide>
+        <p15:guide id="2" pos="2880">
+          <p15:clr>
+            <a:srgbClr val="A4A3A4"/>
+          </p15:clr>
+        </p15:guide>
+      </p15:sldGuideLst>
+    </p:ext>
+  </p:extLst>
 </p:presentation>
 </file>
 
@@ -198,7 +214,7 @@
             <a:fld id="{979F38AC-FDA7-486B-9D0E-1B2B76763EDE}" type="datetimeFigureOut">
               <a:rPr lang="uk-UA" smtClean="0"/>
               <a:pPr/>
-              <a:t>18.09.2016</a:t>
+              <a:t>02.10.2016</a:t>
             </a:fld>
             <a:endParaRPr lang="uk-UA"/>
           </a:p>
@@ -264,35 +280,35 @@
           <a:p>
             <a:pPr lvl="0"/>
             <a:r>
-              <a:rPr lang="ru-RU" smtClean="0"/>
+              <a:rPr lang="ru-RU"/>
               <a:t>Образец текста</a:t>
             </a:r>
           </a:p>
           <a:p>
             <a:pPr lvl="1"/>
             <a:r>
-              <a:rPr lang="ru-RU" smtClean="0"/>
+              <a:rPr lang="ru-RU"/>
               <a:t>Второй уровень</a:t>
             </a:r>
           </a:p>
           <a:p>
             <a:pPr lvl="2"/>
             <a:r>
-              <a:rPr lang="ru-RU" smtClean="0"/>
+              <a:rPr lang="ru-RU"/>
               <a:t>Третий уровень</a:t>
             </a:r>
           </a:p>
           <a:p>
             <a:pPr lvl="3"/>
             <a:r>
-              <a:rPr lang="ru-RU" smtClean="0"/>
+              <a:rPr lang="ru-RU"/>
               <a:t>Четвертый уровень</a:t>
             </a:r>
           </a:p>
           <a:p>
             <a:pPr lvl="4"/>
             <a:r>
-              <a:rPr lang="ru-RU" smtClean="0"/>
+              <a:rPr lang="ru-RU"/>
               <a:t>Пятый уровень</a:t>
             </a:r>
             <a:endParaRPr lang="uk-UA"/>
@@ -601,10 +617,9 @@
           </a:lstStyle>
           <a:p>
             <a:r>
-              <a:rPr lang="en-US" dirty="0" smtClean="0"/>
+              <a:rPr lang="en-US" dirty="0"/>
               <a:t>title style</a:t>
             </a:r>
-            <a:endParaRPr lang="en-US" dirty="0"/>
           </a:p>
         </p:txBody>
       </p:sp>
@@ -724,7 +739,7 @@
           </a:lstStyle>
           <a:p>
             <a:r>
-              <a:rPr lang="ru-RU" smtClean="0"/>
+              <a:rPr lang="ru-RU"/>
               <a:t>Образец подзаголовка</a:t>
             </a:r>
             <a:endParaRPr lang="en-US" dirty="0"/>
@@ -1053,20 +1068,13 @@
     </p:spTree>
     <p:extLst>
       <p:ext uri="{BB962C8B-B14F-4D97-AF65-F5344CB8AC3E}">
-        <p14:creationId xmlns="" xmlns:p14="http://schemas.microsoft.com/office/powerpoint/2010/main" val="3537187278"/>
+        <p14:creationId xmlns:p14="http://schemas.microsoft.com/office/powerpoint/2010/main" val="3537187278"/>
       </p:ext>
     </p:extLst>
   </p:cSld>
   <p:clrMapOvr>
     <a:overrideClrMapping bg1="lt1" tx1="dk1" bg2="lt2" tx2="dk2" accent1="accent1" accent2="accent2" accent3="accent3" accent4="accent4" accent5="accent5" accent6="accent6" hlink="hlink" folHlink="folHlink"/>
   </p:clrMapOvr>
-  <p:timing>
-    <p:tnLst>
-      <p:par>
-        <p:cTn id="1" dur="indefinite" restart="never" nodeType="tmRoot"/>
-      </p:par>
-    </p:tnLst>
-  </p:timing>
 </p:sldLayout>
 </file>
 
@@ -1099,7 +1107,7 @@
           <a:blip r:embed="rId2" cstate="print">
             <a:extLst>
               <a:ext uri="{28A0092B-C50C-407E-A947-70E740481C1C}">
-                <a14:useLocalDpi xmlns="" xmlns:a14="http://schemas.microsoft.com/office/drawing/2010/main" val="0"/>
+                <a14:useLocalDpi xmlns:a14="http://schemas.microsoft.com/office/drawing/2010/main" val="0"/>
               </a:ext>
             </a:extLst>
           </a:blip>
@@ -1123,14 +1131,14 @@
           <a:effectLst/>
           <a:extLst>
             <a:ext uri="{909E8E84-426E-40DD-AFC4-6F175D3DCCD1}">
-              <a14:hiddenFill xmlns="" xmlns:a14="http://schemas.microsoft.com/office/drawing/2010/main">
+              <a14:hiddenFill xmlns:a14="http://schemas.microsoft.com/office/drawing/2010/main">
                 <a:solidFill>
                   <a:schemeClr val="accent1"/>
                 </a:solidFill>
               </a14:hiddenFill>
             </a:ext>
             <a:ext uri="{91240B29-F687-4F45-9708-019B960494DF}">
-              <a14:hiddenLine xmlns="" xmlns:a14="http://schemas.microsoft.com/office/drawing/2010/main" w="9525">
+              <a14:hiddenLine xmlns:a14="http://schemas.microsoft.com/office/drawing/2010/main" w="9525">
                 <a:solidFill>
                   <a:schemeClr val="tx1"/>
                 </a:solidFill>
@@ -1140,7 +1148,7 @@
               </a14:hiddenLine>
             </a:ext>
             <a:ext uri="{AF507438-7753-43E0-B8FC-AC1667EBCBE1}">
-              <a14:hiddenEffects xmlns="" xmlns:a14="http://schemas.microsoft.com/office/drawing/2010/main">
+              <a14:hiddenEffects xmlns:a14="http://schemas.microsoft.com/office/drawing/2010/main">
                 <a:effectLst>
                   <a:outerShdw dist="35921" dir="2700000" algn="ctr" rotWithShape="0">
                     <a:schemeClr val="bg2"/>
@@ -1235,7 +1243,7 @@
           </a:lstStyle>
           <a:p>
             <a:r>
-              <a:rPr lang="ru-RU" smtClean="0"/>
+              <a:rPr lang="ru-RU"/>
               <a:t>Образец заголовка</a:t>
             </a:r>
             <a:endParaRPr lang="en-US" dirty="0"/>
@@ -1272,7 +1280,7 @@
           <a:p>
             <a:pPr lvl="4"/>
             <a:r>
-              <a:rPr lang="en-US" dirty="0" smtClean="0"/>
+              <a:rPr lang="en-US" dirty="0"/>
               <a:t>Subtitle</a:t>
             </a:r>
           </a:p>
@@ -1281,20 +1289,13 @@
     </p:spTree>
     <p:extLst>
       <p:ext uri="{BB962C8B-B14F-4D97-AF65-F5344CB8AC3E}">
-        <p14:creationId xmlns="" xmlns:p14="http://schemas.microsoft.com/office/powerpoint/2010/main" val="2097366919"/>
+        <p14:creationId xmlns:p14="http://schemas.microsoft.com/office/powerpoint/2010/main" val="2097366919"/>
       </p:ext>
     </p:extLst>
   </p:cSld>
   <p:clrMapOvr>
     <a:masterClrMapping/>
   </p:clrMapOvr>
-  <p:timing>
-    <p:tnLst>
-      <p:par>
-        <p:cTn id="1" dur="indefinite" restart="never" nodeType="tmRoot"/>
-      </p:par>
-    </p:tnLst>
-  </p:timing>
 </p:sldLayout>
 </file>
 
@@ -1353,10 +1354,9 @@
           </a:lstStyle>
           <a:p>
             <a:r>
-              <a:rPr lang="en-US" dirty="0" smtClean="0"/>
+              <a:rPr lang="en-US" dirty="0"/>
               <a:t>title style</a:t>
             </a:r>
-            <a:endParaRPr lang="en-US" dirty="0"/>
           </a:p>
         </p:txBody>
       </p:sp>
@@ -1476,10 +1476,9 @@
           </a:lstStyle>
           <a:p>
             <a:r>
-              <a:rPr lang="en-US" dirty="0" smtClean="0"/>
+              <a:rPr lang="en-US" dirty="0"/>
               <a:t>Click to edit Master subtitle style</a:t>
             </a:r>
-            <a:endParaRPr lang="en-US" dirty="0"/>
           </a:p>
         </p:txBody>
       </p:sp>
@@ -1805,20 +1804,13 @@
     </p:spTree>
     <p:extLst>
       <p:ext uri="{BB962C8B-B14F-4D97-AF65-F5344CB8AC3E}">
-        <p14:creationId xmlns="" xmlns:p14="http://schemas.microsoft.com/office/powerpoint/2010/main" val="3537187278"/>
+        <p14:creationId xmlns:p14="http://schemas.microsoft.com/office/powerpoint/2010/main" val="3537187278"/>
       </p:ext>
     </p:extLst>
   </p:cSld>
   <p:clrMapOvr>
     <a:overrideClrMapping bg1="lt1" tx1="dk1" bg2="lt2" tx2="dk2" accent1="accent1" accent2="accent2" accent3="accent3" accent4="accent4" accent5="accent5" accent6="accent6" hlink="hlink" folHlink="folHlink"/>
   </p:clrMapOvr>
-  <p:timing>
-    <p:tnLst>
-      <p:par>
-        <p:cTn id="1" dur="indefinite" restart="never" nodeType="tmRoot"/>
-      </p:par>
-    </p:tnLst>
-  </p:timing>
 </p:sldLayout>
 </file>
 
@@ -1851,7 +1843,7 @@
           <a:blip r:embed="rId2" cstate="print">
             <a:extLst>
               <a:ext uri="{28A0092B-C50C-407E-A947-70E740481C1C}">
-                <a14:useLocalDpi xmlns="" xmlns:a14="http://schemas.microsoft.com/office/drawing/2010/main" val="0"/>
+                <a14:useLocalDpi xmlns:a14="http://schemas.microsoft.com/office/drawing/2010/main" val="0"/>
               </a:ext>
             </a:extLst>
           </a:blip>
@@ -1875,14 +1867,14 @@
           <a:effectLst/>
           <a:extLst>
             <a:ext uri="{909E8E84-426E-40DD-AFC4-6F175D3DCCD1}">
-              <a14:hiddenFill xmlns="" xmlns:a14="http://schemas.microsoft.com/office/drawing/2010/main">
+              <a14:hiddenFill xmlns:a14="http://schemas.microsoft.com/office/drawing/2010/main">
                 <a:solidFill>
                   <a:schemeClr val="accent1"/>
                 </a:solidFill>
               </a14:hiddenFill>
             </a:ext>
             <a:ext uri="{91240B29-F687-4F45-9708-019B960494DF}">
-              <a14:hiddenLine xmlns="" xmlns:a14="http://schemas.microsoft.com/office/drawing/2010/main" w="9525">
+              <a14:hiddenLine xmlns:a14="http://schemas.microsoft.com/office/drawing/2010/main" w="9525">
                 <a:solidFill>
                   <a:schemeClr val="tx1"/>
                 </a:solidFill>
@@ -1892,7 +1884,7 @@
               </a14:hiddenLine>
             </a:ext>
             <a:ext uri="{AF507438-7753-43E0-B8FC-AC1667EBCBE1}">
-              <a14:hiddenEffects xmlns="" xmlns:a14="http://schemas.microsoft.com/office/drawing/2010/main">
+              <a14:hiddenEffects xmlns:a14="http://schemas.microsoft.com/office/drawing/2010/main">
                 <a:effectLst>
                   <a:outerShdw dist="35921" dir="2700000" algn="ctr" rotWithShape="0">
                     <a:schemeClr val="bg2"/>
@@ -1987,10 +1979,9 @@
           </a:lstStyle>
           <a:p>
             <a:r>
-              <a:rPr lang="en-US" dirty="0" smtClean="0"/>
+              <a:rPr lang="en-US" dirty="0"/>
               <a:t>Click to edit Master title style</a:t>
             </a:r>
-            <a:endParaRPr lang="en-US" dirty="0"/>
           </a:p>
         </p:txBody>
       </p:sp>
@@ -2024,7 +2015,7 @@
           <a:p>
             <a:pPr lvl="4"/>
             <a:r>
-              <a:rPr lang="en-US" dirty="0" smtClean="0"/>
+              <a:rPr lang="en-US" dirty="0"/>
               <a:t>Subtitle</a:t>
             </a:r>
           </a:p>
@@ -2033,20 +2024,13 @@
     </p:spTree>
     <p:extLst>
       <p:ext uri="{BB962C8B-B14F-4D97-AF65-F5344CB8AC3E}">
-        <p14:creationId xmlns="" xmlns:p14="http://schemas.microsoft.com/office/powerpoint/2010/main" val="2097366919"/>
+        <p14:creationId xmlns:p14="http://schemas.microsoft.com/office/powerpoint/2010/main" val="2097366919"/>
       </p:ext>
     </p:extLst>
   </p:cSld>
   <p:clrMapOvr>
     <a:masterClrMapping/>
   </p:clrMapOvr>
-  <p:timing>
-    <p:tnLst>
-      <p:par>
-        <p:cTn id="1" dur="indefinite" restart="never" nodeType="tmRoot"/>
-      </p:par>
-    </p:tnLst>
-  </p:timing>
 </p:sldLayout>
 </file>
 
@@ -2098,7 +2082,7 @@
           <a:lstStyle/>
           <a:p>
             <a:r>
-              <a:rPr lang="ru-RU" smtClean="0"/>
+              <a:rPr lang="ru-RU"/>
               <a:t>Образец заголовка</a:t>
             </a:r>
             <a:endParaRPr lang="en-US"/>
@@ -2108,7 +2092,7 @@
     </p:spTree>
     <p:extLst>
       <p:ext uri="{BB962C8B-B14F-4D97-AF65-F5344CB8AC3E}">
-        <p14:creationId xmlns="" xmlns:p14="http://schemas.microsoft.com/office/powerpoint/2010/main" val="779007194"/>
+        <p14:creationId xmlns:p14="http://schemas.microsoft.com/office/powerpoint/2010/main" val="779007194"/>
       </p:ext>
     </p:extLst>
   </p:cSld>
@@ -2119,13 +2103,6 @@
     <p:sldLayoutId id="2147483665" r:id="rId3"/>
     <p:sldLayoutId id="2147483666" r:id="rId4"/>
   </p:sldLayoutIdLst>
-  <p:timing>
-    <p:tnLst>
-      <p:par>
-        <p:cTn id="1" dur="indefinite" restart="never" nodeType="tmRoot"/>
-      </p:par>
-    </p:tnLst>
-  </p:timing>
   <p:txStyles>
     <p:titleStyle>
       <a:lvl1pPr algn="ctr" defTabSz="914400" rtl="0" eaLnBrk="1" latinLnBrk="0" hangingPunct="1">
@@ -2467,7 +2444,7 @@
           <a:lstStyle/>
           <a:p>
             <a:r>
-              <a:rPr lang="en-US" sz="2700" dirty="0" err="1" smtClean="0">
+              <a:rPr lang="en-US" sz="2700" dirty="0" err="1">
                 <a:solidFill>
                   <a:schemeClr val="bg1"/>
                 </a:solidFill>
@@ -2511,7 +2488,7 @@
           <a:lstStyle/>
           <a:p>
             <a:r>
-              <a:rPr lang="ru-RU" sz="4400" dirty="0" smtClean="0">
+              <a:rPr lang="ru-RU" sz="4400" dirty="0">
                 <a:solidFill>
                   <a:srgbClr val="7564BC"/>
                 </a:solidFill>
@@ -2520,7 +2497,7 @@
               <a:t>Работа с </a:t>
             </a:r>
             <a:r>
-              <a:rPr lang="en-US" sz="4400" dirty="0" err="1" smtClean="0">
+              <a:rPr lang="en-US" sz="4400" dirty="0" err="1">
                 <a:solidFill>
                   <a:srgbClr val="7564BC"/>
                 </a:solidFill>
@@ -2652,7 +2629,7 @@
           </a:lstStyle>
           <a:p>
             <a:r>
-              <a:rPr lang="en-US" sz="3200" b="1" dirty="0" smtClean="0">
+              <a:rPr lang="en-US" sz="3200" b="1" dirty="0">
                 <a:solidFill>
                   <a:schemeClr val="tx1">
                     <a:lumMod val="90000"/>
@@ -2665,17 +2642,6 @@
               </a:rPr>
               <a:t>Node JS</a:t>
             </a:r>
-            <a:endParaRPr lang="en-US" sz="3200" b="1" dirty="0">
-              <a:solidFill>
-                <a:schemeClr val="tx1">
-                  <a:lumMod val="90000"/>
-                  <a:lumOff val="10000"/>
-                </a:schemeClr>
-              </a:solidFill>
-              <a:latin typeface="Calibri" pitchFamily="34" charset="0"/>
-              <a:ea typeface="Roboto Light" panose="02000000000000000000" pitchFamily="2" charset="0"/>
-              <a:cs typeface="Roboto Light" panose="02000000000000000000" pitchFamily="2" charset="0"/>
-            </a:endParaRPr>
           </a:p>
         </p:txBody>
       </p:sp>
@@ -2706,20 +2672,13 @@
     </p:spTree>
     <p:extLst>
       <p:ext uri="{BB962C8B-B14F-4D97-AF65-F5344CB8AC3E}">
-        <p14:creationId xmlns="" xmlns:p14="http://schemas.microsoft.com/office/powerpoint/2010/main" val="3436223543"/>
+        <p14:creationId xmlns:p14="http://schemas.microsoft.com/office/powerpoint/2010/main" val="3436223543"/>
       </p:ext>
     </p:extLst>
   </p:cSld>
   <p:clrMapOvr>
     <a:masterClrMapping/>
   </p:clrMapOvr>
-  <p:timing>
-    <p:tnLst>
-      <p:par>
-        <p:cTn id="1" dur="indefinite" restart="never" nodeType="tmRoot"/>
-      </p:par>
-    </p:tnLst>
-  </p:timing>
 </p:sld>
 </file>
 
@@ -2756,7 +2715,7 @@
           <a:lstStyle/>
           <a:p>
             <a:r>
-              <a:rPr lang="en-US" dirty="0" err="1" smtClean="0"/>
+              <a:rPr lang="en-US" dirty="0" err="1"/>
               <a:t>mySQL</a:t>
             </a:r>
             <a:endParaRPr lang="uk-UA" dirty="0"/>
@@ -2813,49 +2772,49 @@
           <a:p>
             <a:pPr algn="just"/>
             <a:r>
-              <a:rPr lang="ru-RU" b="1" dirty="0" smtClean="0">
+              <a:rPr lang="ru-RU" b="1" dirty="0">
                 <a:latin typeface="Calibri" pitchFamily="34" charset="0"/>
               </a:rPr>
               <a:t>SQL</a:t>
             </a:r>
             <a:r>
-              <a:rPr lang="ru-RU" dirty="0" smtClean="0">
+              <a:rPr lang="ru-RU" dirty="0">
                 <a:latin typeface="Calibri" pitchFamily="34" charset="0"/>
               </a:rPr>
               <a:t> (</a:t>
             </a:r>
             <a:r>
-              <a:rPr lang="ru-RU" i="1" dirty="0" err="1" smtClean="0">
+              <a:rPr lang="ru-RU" i="1" dirty="0" err="1">
                 <a:latin typeface="Calibri" pitchFamily="34" charset="0"/>
               </a:rPr>
               <a:t>structured</a:t>
             </a:r>
             <a:r>
-              <a:rPr lang="ru-RU" i="1" dirty="0" smtClean="0">
+              <a:rPr lang="ru-RU" i="1" dirty="0">
                 <a:latin typeface="Calibri" pitchFamily="34" charset="0"/>
               </a:rPr>
               <a:t> </a:t>
             </a:r>
             <a:r>
-              <a:rPr lang="ru-RU" i="1" dirty="0" err="1" smtClean="0">
+              <a:rPr lang="ru-RU" i="1" dirty="0" err="1">
                 <a:latin typeface="Calibri" pitchFamily="34" charset="0"/>
               </a:rPr>
               <a:t>query</a:t>
             </a:r>
             <a:r>
-              <a:rPr lang="ru-RU" i="1" dirty="0" smtClean="0">
+              <a:rPr lang="ru-RU" i="1" dirty="0">
                 <a:latin typeface="Calibri" pitchFamily="34" charset="0"/>
               </a:rPr>
               <a:t> </a:t>
             </a:r>
             <a:r>
-              <a:rPr lang="ru-RU" i="1" dirty="0" err="1" smtClean="0">
+              <a:rPr lang="ru-RU" i="1" dirty="0" err="1">
                 <a:latin typeface="Calibri" pitchFamily="34" charset="0"/>
               </a:rPr>
               <a:t>language</a:t>
             </a:r>
             <a:r>
-              <a:rPr lang="ru-RU" dirty="0" smtClean="0">
+              <a:rPr lang="ru-RU" dirty="0">
                 <a:latin typeface="Calibri" pitchFamily="34" charset="0"/>
               </a:rPr>
               <a:t> — «язык структурированных запросов») —формальный непроцедурный язык программирования, применяемый для создания, модификации и управления данными в произвольной реляционной базе данных, управляемой соответствующей системой управления базами данных (СУБД). </a:t>
@@ -2892,36 +2851,36 @@
               <a:buChar char="•"/>
             </a:pPr>
             <a:r>
-              <a:rPr lang="en-US" b="1" dirty="0" smtClean="0">
+              <a:rPr lang="en-US" b="1" dirty="0">
                 <a:latin typeface="Calibri" pitchFamily="34" charset="0"/>
               </a:rPr>
               <a:t> </a:t>
             </a:r>
             <a:r>
-              <a:rPr lang="ru-RU" b="1" dirty="0" err="1" smtClean="0">
+              <a:rPr lang="ru-RU" b="1" dirty="0" err="1">
                 <a:latin typeface="Calibri" pitchFamily="34" charset="0"/>
               </a:rPr>
               <a:t>My</a:t>
             </a:r>
             <a:r>
-              <a:rPr lang="en-US" b="1" dirty="0" smtClean="0">
+              <a:rPr lang="en-US" b="1" dirty="0">
                 <a:latin typeface="Calibri" pitchFamily="34" charset="0"/>
               </a:rPr>
               <a:t>SQL</a:t>
             </a:r>
             <a:r>
-              <a:rPr lang="ru-RU" b="1" dirty="0" smtClean="0">
+              <a:rPr lang="ru-RU" b="1" dirty="0">
                 <a:latin typeface="Calibri" pitchFamily="34" charset="0"/>
               </a:rPr>
               <a:t> </a:t>
             </a:r>
             <a:r>
-              <a:rPr lang="ru-RU" dirty="0" smtClean="0">
+              <a:rPr lang="ru-RU" dirty="0">
                 <a:latin typeface="Calibri" pitchFamily="34" charset="0"/>
               </a:rPr>
               <a:t>– это реляционная система управления базами данных. То есть данные в ее базах хранятся в виде логически связанных между собой таблиц, доступ к которым осуществляется с помощью языка запросов SQL. </a:t>
             </a:r>
-            <a:endParaRPr lang="en-US" dirty="0" smtClean="0">
+            <a:endParaRPr lang="en-US" dirty="0">
               <a:latin typeface="Calibri" pitchFamily="34" charset="0"/>
             </a:endParaRPr>
           </a:p>
@@ -2930,7 +2889,7 @@
               <a:buFont typeface="Arial" pitchFamily="34" charset="0"/>
               <a:buChar char="•"/>
             </a:pPr>
-            <a:endParaRPr lang="en-US" dirty="0" smtClean="0">
+            <a:endParaRPr lang="en-US" dirty="0">
               <a:latin typeface="Calibri" pitchFamily="34" charset="0"/>
             </a:endParaRPr>
           </a:p>
@@ -2940,13 +2899,13 @@
               <a:buChar char="•"/>
             </a:pPr>
             <a:r>
-              <a:rPr lang="en-US" dirty="0" smtClean="0">
+              <a:rPr lang="en-US" dirty="0">
                 <a:latin typeface="Calibri" pitchFamily="34" charset="0"/>
               </a:rPr>
               <a:t> </a:t>
             </a:r>
             <a:r>
-              <a:rPr lang="ru-RU" dirty="0" smtClean="0">
+              <a:rPr lang="ru-RU" dirty="0">
                 <a:latin typeface="Calibri" pitchFamily="34" charset="0"/>
               </a:rPr>
               <a:t>Кроме того, это достаточно быстрая, надежная и, главное, простая в использовании СУБД, вполне подходящая для не слишком глобальных проектов.</a:t>
@@ -2998,25 +2957,25 @@
           <a:lstStyle/>
           <a:p>
             <a:r>
-              <a:rPr lang="en-US" dirty="0" err="1" smtClean="0">
+              <a:rPr lang="en-US" dirty="0" err="1">
                 <a:latin typeface="Calibri" pitchFamily="34" charset="0"/>
               </a:rPr>
               <a:t>mySQL</a:t>
             </a:r>
             <a:r>
-              <a:rPr lang="en-US" dirty="0" smtClean="0">
+              <a:rPr lang="en-US" dirty="0">
                 <a:latin typeface="Calibri" pitchFamily="34" charset="0"/>
               </a:rPr>
               <a:t> </a:t>
             </a:r>
             <a:r>
-              <a:rPr lang="ru-RU" dirty="0" smtClean="0">
+              <a:rPr lang="ru-RU" dirty="0">
                 <a:latin typeface="Calibri" pitchFamily="34" charset="0"/>
               </a:rPr>
               <a:t>и </a:t>
             </a:r>
             <a:r>
-              <a:rPr lang="en-US" dirty="0" err="1" smtClean="0">
+              <a:rPr lang="en-US" dirty="0" err="1">
                 <a:latin typeface="Calibri" pitchFamily="34" charset="0"/>
               </a:rPr>
               <a:t>NodeJS</a:t>
@@ -3036,7 +2995,7 @@
         <p:spPr>
           <a:xfrm>
             <a:off x="1115616" y="1844824"/>
-            <a:ext cx="6840760" cy="3785652"/>
+            <a:ext cx="6840760" cy="3416320"/>
           </a:xfrm>
           <a:prstGeom prst="rect">
             <a:avLst/>
@@ -3054,61 +3013,61 @@
               <a:buChar char="•"/>
             </a:pPr>
             <a:r>
-              <a:rPr lang="en-US" sz="2000" dirty="0" smtClean="0">
+              <a:rPr lang="en-US" dirty="0">
                 <a:latin typeface="Calibri" pitchFamily="34" charset="0"/>
               </a:rPr>
               <a:t> </a:t>
             </a:r>
             <a:r>
-              <a:rPr lang="ru-RU" sz="2000" dirty="0" smtClean="0">
+              <a:rPr lang="ru-RU" dirty="0">
                 <a:latin typeface="Calibri" pitchFamily="34" charset="0"/>
               </a:rPr>
               <a:t>Установка драйвера </a:t>
             </a:r>
             <a:r>
-              <a:rPr lang="en-US" sz="2000" dirty="0" err="1" smtClean="0">
+              <a:rPr lang="en-US" dirty="0" err="1">
                 <a:latin typeface="Calibri" pitchFamily="34" charset="0"/>
               </a:rPr>
               <a:t>mySQL</a:t>
             </a:r>
             <a:r>
-              <a:rPr lang="en-US" sz="2000" dirty="0" smtClean="0">
+              <a:rPr lang="en-US" dirty="0">
                 <a:latin typeface="Calibri" pitchFamily="34" charset="0"/>
               </a:rPr>
               <a:t> </a:t>
             </a:r>
             <a:r>
-              <a:rPr lang="ru-RU" sz="2000" dirty="0" smtClean="0">
+              <a:rPr lang="ru-RU" dirty="0">
                 <a:latin typeface="Calibri" pitchFamily="34" charset="0"/>
               </a:rPr>
               <a:t>для </a:t>
             </a:r>
             <a:r>
-              <a:rPr lang="en-US" sz="2000" dirty="0" err="1" smtClean="0">
+              <a:rPr lang="en-US" dirty="0" err="1">
                 <a:latin typeface="Calibri" pitchFamily="34" charset="0"/>
               </a:rPr>
               <a:t>NodeJS</a:t>
             </a:r>
             <a:r>
-              <a:rPr lang="en-US" sz="2000" dirty="0" smtClean="0">
+              <a:rPr lang="en-US" dirty="0">
                 <a:latin typeface="Calibri" pitchFamily="34" charset="0"/>
               </a:rPr>
               <a:t>: </a:t>
             </a:r>
             <a:r>
-              <a:rPr lang="en-US" sz="2000" b="1" dirty="0" smtClean="0">
+              <a:rPr lang="en-US" b="1" dirty="0">
                 <a:latin typeface="Calibri" pitchFamily="34" charset="0"/>
               </a:rPr>
               <a:t>$ npm install </a:t>
             </a:r>
             <a:r>
-              <a:rPr lang="en-US" sz="2000" b="1" dirty="0" err="1" smtClean="0">
+              <a:rPr lang="en-US" b="1" dirty="0" err="1">
                 <a:latin typeface="Calibri" pitchFamily="34" charset="0"/>
               </a:rPr>
               <a:t>mysql</a:t>
             </a:r>
             <a:r>
-              <a:rPr lang="en-US" sz="2000" b="1" dirty="0" smtClean="0">
+              <a:rPr lang="en-US" b="1" dirty="0">
                 <a:latin typeface="Calibri" pitchFamily="34" charset="0"/>
               </a:rPr>
               <a:t> </a:t>
@@ -3119,7 +3078,7 @@
               <a:buFont typeface="Arial" pitchFamily="34" charset="0"/>
               <a:buChar char="•"/>
             </a:pPr>
-            <a:endParaRPr lang="en-US" sz="2000" b="1" dirty="0" smtClean="0">
+            <a:endParaRPr lang="en-US" b="1" dirty="0">
               <a:latin typeface="Calibri" pitchFamily="34" charset="0"/>
             </a:endParaRPr>
           </a:p>
@@ -3129,78 +3088,78 @@
               <a:buChar char="•"/>
             </a:pPr>
             <a:r>
-              <a:rPr lang="en-US" sz="2000" b="1" dirty="0" smtClean="0">
+              <a:rPr lang="en-US" b="1" dirty="0">
                 <a:latin typeface="Calibri" pitchFamily="34" charset="0"/>
               </a:rPr>
               <a:t>  </a:t>
             </a:r>
             <a:r>
-              <a:rPr lang="ru-RU" sz="2000" dirty="0" smtClean="0">
+              <a:rPr lang="ru-RU" dirty="0">
                 <a:latin typeface="Calibri" pitchFamily="34" charset="0"/>
               </a:rPr>
               <a:t>Для работы с модулем </a:t>
             </a:r>
             <a:r>
-              <a:rPr lang="en-US" sz="2000" dirty="0" err="1" smtClean="0">
+              <a:rPr lang="en-US" dirty="0" err="1">
                 <a:latin typeface="Calibri" pitchFamily="34" charset="0"/>
               </a:rPr>
               <a:t>mysql</a:t>
             </a:r>
             <a:r>
-              <a:rPr lang="en-US" sz="2000" dirty="0" smtClean="0">
+              <a:rPr lang="en-US" dirty="0">
                 <a:latin typeface="Calibri" pitchFamily="34" charset="0"/>
               </a:rPr>
               <a:t> </a:t>
             </a:r>
             <a:r>
-              <a:rPr lang="ru-RU" sz="2000" dirty="0" smtClean="0">
+              <a:rPr lang="ru-RU" dirty="0">
                 <a:latin typeface="Calibri" pitchFamily="34" charset="0"/>
               </a:rPr>
               <a:t>его следует загрузить с помощью функции </a:t>
             </a:r>
             <a:r>
-              <a:rPr lang="en-US" sz="2000" dirty="0" smtClean="0">
+              <a:rPr lang="en-US" dirty="0">
                 <a:latin typeface="Calibri" pitchFamily="34" charset="0"/>
               </a:rPr>
               <a:t>require: </a:t>
             </a:r>
             <a:r>
-              <a:rPr lang="en-US" sz="2000" b="1" dirty="0" err="1" smtClean="0">
+              <a:rPr lang="en-US" b="1" dirty="0" err="1">
                 <a:latin typeface="Calibri" pitchFamily="34" charset="0"/>
               </a:rPr>
               <a:t>var</a:t>
             </a:r>
             <a:r>
-              <a:rPr lang="en-US" sz="2000" b="1" dirty="0" smtClean="0">
+              <a:rPr lang="en-US" b="1" dirty="0">
                 <a:latin typeface="Calibri" pitchFamily="34" charset="0"/>
               </a:rPr>
               <a:t> </a:t>
             </a:r>
             <a:r>
-              <a:rPr lang="en-US" sz="2000" b="1" dirty="0" err="1" smtClean="0">
+              <a:rPr lang="en-US" b="1" dirty="0" err="1">
                 <a:latin typeface="Calibri" pitchFamily="34" charset="0"/>
               </a:rPr>
               <a:t>mysql</a:t>
             </a:r>
             <a:r>
-              <a:rPr lang="en-US" sz="2000" b="1" dirty="0" smtClean="0">
+              <a:rPr lang="en-US" b="1" dirty="0">
                 <a:latin typeface="Calibri" pitchFamily="34" charset="0"/>
               </a:rPr>
               <a:t> = require(‘</a:t>
             </a:r>
             <a:r>
-              <a:rPr lang="en-US" sz="2000" b="1" dirty="0" err="1" smtClean="0">
+              <a:rPr lang="en-US" b="1" dirty="0" err="1">
                 <a:latin typeface="Calibri" pitchFamily="34" charset="0"/>
               </a:rPr>
               <a:t>mysql</a:t>
             </a:r>
             <a:r>
-              <a:rPr lang="en-US" sz="2000" b="1" dirty="0" smtClean="0">
+              <a:rPr lang="en-US" b="1" dirty="0">
                 <a:latin typeface="Calibri" pitchFamily="34" charset="0"/>
               </a:rPr>
               <a:t>’) </a:t>
             </a:r>
-            <a:endParaRPr lang="en-US" sz="2000" dirty="0" smtClean="0">
+            <a:endParaRPr lang="en-US" dirty="0">
               <a:latin typeface="Calibri" pitchFamily="34" charset="0"/>
             </a:endParaRPr>
           </a:p>
@@ -3209,7 +3168,7 @@
               <a:buFont typeface="Arial" pitchFamily="34" charset="0"/>
               <a:buChar char="•"/>
             </a:pPr>
-            <a:endParaRPr lang="en-US" sz="2000" b="1" dirty="0" smtClean="0">
+            <a:endParaRPr lang="en-US" b="1" dirty="0">
               <a:latin typeface="Calibri" pitchFamily="34" charset="0"/>
             </a:endParaRPr>
           </a:p>
@@ -3219,19 +3178,19 @@
               <a:buChar char="•"/>
             </a:pPr>
             <a:r>
-              <a:rPr lang="en-US" sz="2000" b="1" dirty="0" smtClean="0">
+              <a:rPr lang="en-US" b="1" dirty="0">
                 <a:latin typeface="Calibri" pitchFamily="34" charset="0"/>
               </a:rPr>
               <a:t> </a:t>
             </a:r>
             <a:r>
-              <a:rPr lang="ru-RU" sz="2000" dirty="0" smtClean="0">
+              <a:rPr lang="ru-RU" dirty="0">
                 <a:latin typeface="Calibri" pitchFamily="34" charset="0"/>
               </a:rPr>
               <a:t>Подключение к базе данных</a:t>
             </a:r>
             <a:r>
-              <a:rPr lang="en-US" sz="2000" dirty="0" smtClean="0">
+              <a:rPr lang="en-US" dirty="0">
                 <a:latin typeface="Calibri" pitchFamily="34" charset="0"/>
               </a:rPr>
               <a:t>: </a:t>
@@ -3243,36 +3202,36 @@
               <a:buChar char="•"/>
             </a:pPr>
             <a:r>
-              <a:rPr lang="en-US" sz="2000" b="1" dirty="0" smtClean="0">
+              <a:rPr lang="en-US" b="1" dirty="0">
                 <a:latin typeface="Calibri" pitchFamily="34" charset="0"/>
               </a:rPr>
               <a:t> </a:t>
             </a:r>
             <a:r>
-              <a:rPr lang="en-US" sz="2000" b="1" dirty="0" err="1" smtClean="0">
+              <a:rPr lang="en-US" b="1" dirty="0" err="1">
                 <a:latin typeface="Calibri" pitchFamily="34" charset="0"/>
               </a:rPr>
               <a:t>mysql.createConnection</a:t>
             </a:r>
             <a:r>
-              <a:rPr lang="en-US" sz="2000" dirty="0" smtClean="0">
+              <a:rPr lang="en-US" dirty="0">
                 <a:latin typeface="Calibri" pitchFamily="34" charset="0"/>
               </a:rPr>
               <a:t>(</a:t>
             </a:r>
             <a:r>
-              <a:rPr lang="ru-RU" sz="2000" dirty="0" smtClean="0">
+              <a:rPr lang="ru-RU" dirty="0">
                 <a:latin typeface="Calibri" pitchFamily="34" charset="0"/>
               </a:rPr>
               <a:t>для создания соединения</a:t>
             </a:r>
             <a:r>
-              <a:rPr lang="en-US" sz="2000" dirty="0" smtClean="0">
+              <a:rPr lang="en-US" dirty="0">
                 <a:latin typeface="Calibri" pitchFamily="34" charset="0"/>
               </a:rPr>
               <a:t>)</a:t>
             </a:r>
-            <a:endParaRPr lang="en-US" sz="2000" b="1" dirty="0" smtClean="0">
+            <a:endParaRPr lang="en-US" b="1" dirty="0">
               <a:latin typeface="Calibri" pitchFamily="34" charset="0"/>
             </a:endParaRPr>
           </a:p>
@@ -3282,37 +3241,37 @@
               <a:buChar char="•"/>
             </a:pPr>
             <a:r>
-              <a:rPr lang="en-US" sz="2000" b="1" dirty="0" smtClean="0">
+              <a:rPr lang="en-US" b="1" dirty="0">
                 <a:latin typeface="Calibri" pitchFamily="34" charset="0"/>
               </a:rPr>
               <a:t> </a:t>
             </a:r>
             <a:r>
-              <a:rPr lang="en-US" sz="2000" b="1" dirty="0" err="1" smtClean="0">
+              <a:rPr lang="en-US" b="1" dirty="0" err="1">
                 <a:latin typeface="Calibri" pitchFamily="34" charset="0"/>
               </a:rPr>
               <a:t>mysql.createPool</a:t>
             </a:r>
             <a:r>
-              <a:rPr lang="en-US" sz="2000" dirty="0" smtClean="0">
+              <a:rPr lang="en-US" dirty="0">
                 <a:latin typeface="Calibri" pitchFamily="34" charset="0"/>
               </a:rPr>
               <a:t>(</a:t>
             </a:r>
             <a:r>
-              <a:rPr lang="ru-RU" sz="2000" dirty="0" smtClean="0">
+              <a:rPr lang="ru-RU" dirty="0">
                 <a:latin typeface="Calibri" pitchFamily="34" charset="0"/>
               </a:rPr>
               <a:t>для создания пула соединений</a:t>
             </a:r>
             <a:r>
-              <a:rPr lang="en-US" sz="2000" dirty="0" smtClean="0">
+              <a:rPr lang="en-US" dirty="0">
                 <a:latin typeface="Calibri" pitchFamily="34" charset="0"/>
               </a:rPr>
               <a:t>)</a:t>
             </a:r>
             <a:r>
-              <a:rPr lang="ru-RU" sz="2000" dirty="0" smtClean="0">
+              <a:rPr lang="ru-RU" dirty="0">
                 <a:latin typeface="Calibri" pitchFamily="34" charset="0"/>
               </a:rPr>
               <a:t> </a:t>
@@ -3323,7 +3282,7 @@
               <a:buFont typeface="Arial" pitchFamily="34" charset="0"/>
               <a:buChar char="•"/>
             </a:pPr>
-            <a:endParaRPr lang="ru-RU" sz="2000" dirty="0" smtClean="0">
+            <a:endParaRPr lang="ru-RU" dirty="0">
               <a:latin typeface="Calibri" pitchFamily="34" charset="0"/>
             </a:endParaRPr>
           </a:p>
@@ -3333,30 +3292,30 @@
               <a:buChar char="•"/>
             </a:pPr>
             <a:r>
-              <a:rPr lang="ru-RU" sz="2000" dirty="0" smtClean="0">
+              <a:rPr lang="ru-RU" dirty="0">
                 <a:latin typeface="Calibri" pitchFamily="34" charset="0"/>
               </a:rPr>
               <a:t> Запрос к базе данных</a:t>
             </a:r>
             <a:r>
-              <a:rPr lang="en-US" sz="2000" dirty="0" smtClean="0">
+              <a:rPr lang="en-US" dirty="0">
                 <a:latin typeface="Calibri" pitchFamily="34" charset="0"/>
               </a:rPr>
               <a:t>: </a:t>
             </a:r>
             <a:r>
-              <a:rPr lang="ru-RU" sz="2000" dirty="0" smtClean="0">
+              <a:rPr lang="ru-RU" dirty="0">
                 <a:latin typeface="Calibri" pitchFamily="34" charset="0"/>
               </a:rPr>
               <a:t>метод </a:t>
             </a:r>
             <a:r>
-              <a:rPr lang="en-US" sz="2000" b="1" dirty="0" smtClean="0">
+              <a:rPr lang="en-US" b="1" dirty="0">
                 <a:latin typeface="Calibri" pitchFamily="34" charset="0"/>
               </a:rPr>
               <a:t>query </a:t>
             </a:r>
-            <a:endParaRPr lang="ru-RU" sz="2000" b="1" dirty="0" smtClean="0">
+            <a:endParaRPr lang="ru-RU" b="1" dirty="0">
               <a:latin typeface="Calibri" pitchFamily="34" charset="0"/>
             </a:endParaRPr>
           </a:p>
@@ -3365,12 +3324,12 @@
               <a:buFont typeface="Arial" pitchFamily="34" charset="0"/>
               <a:buChar char="•"/>
             </a:pPr>
-            <a:endParaRPr lang="en-US" sz="2000" dirty="0" smtClean="0">
+            <a:endParaRPr lang="en-US" dirty="0">
               <a:latin typeface="Calibri" pitchFamily="34" charset="0"/>
             </a:endParaRPr>
           </a:p>
           <a:p>
-            <a:endParaRPr lang="en-US" sz="2000" dirty="0" smtClean="0">
+            <a:endParaRPr lang="en-US" dirty="0">
               <a:latin typeface="Calibri" pitchFamily="34" charset="0"/>
             </a:endParaRPr>
           </a:p>
@@ -3417,13 +3376,13 @@
           <a:lstStyle/>
           <a:p>
             <a:r>
-              <a:rPr lang="ru-RU" dirty="0" smtClean="0">
+              <a:rPr lang="ru-RU" dirty="0">
                 <a:latin typeface="Calibri" pitchFamily="34" charset="0"/>
               </a:rPr>
               <a:t>Подключение к </a:t>
             </a:r>
             <a:r>
-              <a:rPr lang="ru-RU" dirty="0" err="1" smtClean="0">
+              <a:rPr lang="ru-RU" dirty="0" err="1">
                 <a:latin typeface="Calibri" pitchFamily="34" charset="0"/>
               </a:rPr>
               <a:t>бд</a:t>
@@ -3457,19 +3416,19 @@
           <a:lstStyle/>
           <a:p>
             <a:r>
-              <a:rPr lang="ru-RU" dirty="0" smtClean="0">
+              <a:rPr lang="ru-RU" dirty="0">
                 <a:latin typeface="Calibri" pitchFamily="34" charset="0"/>
               </a:rPr>
               <a:t>Соединение</a:t>
             </a:r>
             <a:r>
-              <a:rPr lang="en-US" dirty="0" smtClean="0">
+              <a:rPr lang="en-US" dirty="0">
                 <a:latin typeface="Calibri" pitchFamily="34" charset="0"/>
               </a:rPr>
               <a:t>(connection)</a:t>
             </a:r>
             <a:r>
-              <a:rPr lang="ru-RU" dirty="0" smtClean="0">
+              <a:rPr lang="ru-RU" dirty="0">
                 <a:latin typeface="Calibri" pitchFamily="34" charset="0"/>
               </a:rPr>
               <a:t> </a:t>
@@ -3516,37 +3475,37 @@
           <a:lstStyle/>
           <a:p>
             <a:r>
-              <a:rPr lang="en-US" dirty="0" err="1" smtClean="0">
+              <a:rPr lang="en-US" dirty="0" err="1">
                 <a:latin typeface="Calibri" pitchFamily="34" charset="0"/>
               </a:rPr>
               <a:t>var</a:t>
             </a:r>
             <a:r>
-              <a:rPr lang="en-US" dirty="0" smtClean="0">
+              <a:rPr lang="en-US" dirty="0">
                 <a:latin typeface="Calibri" pitchFamily="34" charset="0"/>
               </a:rPr>
               <a:t> </a:t>
             </a:r>
             <a:r>
-              <a:rPr lang="en-US" dirty="0" err="1" smtClean="0">
+              <a:rPr lang="en-US" dirty="0" err="1">
                 <a:latin typeface="Calibri" pitchFamily="34" charset="0"/>
               </a:rPr>
               <a:t>mysql</a:t>
             </a:r>
             <a:r>
-              <a:rPr lang="en-US" dirty="0" smtClean="0">
+              <a:rPr lang="en-US" dirty="0">
                 <a:latin typeface="Calibri" pitchFamily="34" charset="0"/>
               </a:rPr>
               <a:t> = require('</a:t>
             </a:r>
             <a:r>
-              <a:rPr lang="en-US" dirty="0" err="1" smtClean="0">
+              <a:rPr lang="en-US" dirty="0" err="1">
                 <a:latin typeface="Calibri" pitchFamily="34" charset="0"/>
               </a:rPr>
               <a:t>mysql</a:t>
             </a:r>
             <a:r>
-              <a:rPr lang="en-US" dirty="0" smtClean="0">
+              <a:rPr lang="en-US" dirty="0">
                 <a:latin typeface="Calibri" pitchFamily="34" charset="0"/>
               </a:rPr>
               <a:t>');</a:t>
@@ -3554,25 +3513,25 @@
           </a:p>
           <a:p>
             <a:r>
-              <a:rPr lang="en-US" dirty="0" err="1" smtClean="0">
+              <a:rPr lang="en-US" dirty="0" err="1">
                 <a:latin typeface="Calibri" pitchFamily="34" charset="0"/>
               </a:rPr>
               <a:t>var</a:t>
             </a:r>
             <a:r>
-              <a:rPr lang="en-US" dirty="0" smtClean="0">
+              <a:rPr lang="en-US" dirty="0">
                 <a:latin typeface="Calibri" pitchFamily="34" charset="0"/>
               </a:rPr>
               <a:t> connection = </a:t>
             </a:r>
             <a:r>
-              <a:rPr lang="en-US" dirty="0" err="1" smtClean="0">
+              <a:rPr lang="en-US" dirty="0" err="1">
                 <a:latin typeface="Calibri" pitchFamily="34" charset="0"/>
               </a:rPr>
               <a:t>mysql.createConnection</a:t>
             </a:r>
             <a:r>
-              <a:rPr lang="en-US" dirty="0" smtClean="0">
+              <a:rPr lang="en-US" dirty="0">
                 <a:latin typeface="Calibri" pitchFamily="34" charset="0"/>
               </a:rPr>
               <a:t>({</a:t>
@@ -3580,19 +3539,19 @@
           </a:p>
           <a:p>
             <a:r>
-              <a:rPr lang="en-US" dirty="0" smtClean="0">
+              <a:rPr lang="en-US" dirty="0">
                 <a:latin typeface="Calibri" pitchFamily="34" charset="0"/>
               </a:rPr>
               <a:t>    host: '</a:t>
             </a:r>
             <a:r>
-              <a:rPr lang="en-US" dirty="0" err="1" smtClean="0">
+              <a:rPr lang="en-US" dirty="0" err="1">
                 <a:latin typeface="Calibri" pitchFamily="34" charset="0"/>
               </a:rPr>
               <a:t>localhost</a:t>
             </a:r>
             <a:r>
-              <a:rPr lang="en-US" dirty="0" smtClean="0">
+              <a:rPr lang="en-US" dirty="0">
                 <a:latin typeface="Calibri" pitchFamily="34" charset="0"/>
               </a:rPr>
               <a:t>',</a:t>
@@ -3600,7 +3559,7 @@
           </a:p>
           <a:p>
             <a:r>
-              <a:rPr lang="en-US" dirty="0" smtClean="0">
+              <a:rPr lang="en-US" dirty="0">
                 <a:latin typeface="Calibri" pitchFamily="34" charset="0"/>
               </a:rPr>
               <a:t>    user: 'me',</a:t>
@@ -3608,7 +3567,7 @@
           </a:p>
           <a:p>
             <a:r>
-              <a:rPr lang="en-US" dirty="0" smtClean="0">
+              <a:rPr lang="en-US" dirty="0">
                 <a:latin typeface="Calibri" pitchFamily="34" charset="0"/>
               </a:rPr>
               <a:t>    password: 'secret',</a:t>
@@ -3616,19 +3575,19 @@
           </a:p>
           <a:p>
             <a:r>
-              <a:rPr lang="en-US" dirty="0" smtClean="0">
+              <a:rPr lang="en-US" dirty="0">
                 <a:latin typeface="Calibri" pitchFamily="34" charset="0"/>
               </a:rPr>
               <a:t>    database: '</a:t>
             </a:r>
             <a:r>
-              <a:rPr lang="en-US" dirty="0" err="1" smtClean="0">
+              <a:rPr lang="en-US" dirty="0" err="1">
                 <a:latin typeface="Calibri" pitchFamily="34" charset="0"/>
               </a:rPr>
               <a:t>my_db</a:t>
             </a:r>
             <a:r>
-              <a:rPr lang="en-US" dirty="0" smtClean="0">
+              <a:rPr lang="en-US" dirty="0">
                 <a:latin typeface="Calibri" pitchFamily="34" charset="0"/>
               </a:rPr>
               <a:t>'</a:t>
@@ -3636,31 +3595,31 @@
           </a:p>
           <a:p>
             <a:r>
-              <a:rPr lang="uk-UA" dirty="0" smtClean="0">
+              <a:rPr lang="uk-UA" dirty="0">
                 <a:latin typeface="Calibri" pitchFamily="34" charset="0"/>
               </a:rPr>
               <a:t>}); </a:t>
             </a:r>
           </a:p>
           <a:p>
-            <a:endParaRPr lang="ru-RU" dirty="0" smtClean="0">
+            <a:endParaRPr lang="ru-RU" dirty="0">
               <a:latin typeface="Calibri" pitchFamily="34" charset="0"/>
             </a:endParaRPr>
           </a:p>
           <a:p>
             <a:r>
-              <a:rPr lang="en-US" dirty="0" err="1" smtClean="0">
+              <a:rPr lang="en-US" dirty="0" err="1">
                 <a:latin typeface="Calibri" pitchFamily="34" charset="0"/>
               </a:rPr>
               <a:t>connection.connect</a:t>
             </a:r>
             <a:r>
-              <a:rPr lang="en-US" dirty="0" smtClean="0">
+              <a:rPr lang="en-US" dirty="0">
                 <a:latin typeface="Calibri" pitchFamily="34" charset="0"/>
               </a:rPr>
               <a:t>();</a:t>
             </a:r>
-            <a:endParaRPr lang="uk-UA" dirty="0" smtClean="0">
+            <a:endParaRPr lang="uk-UA" dirty="0">
               <a:latin typeface="Calibri" pitchFamily="34" charset="0"/>
             </a:endParaRPr>
           </a:p>
@@ -3707,13 +3666,13 @@
           <a:lstStyle/>
           <a:p>
             <a:r>
-              <a:rPr lang="ru-RU" dirty="0" smtClean="0">
+              <a:rPr lang="ru-RU" dirty="0">
                 <a:latin typeface="Calibri" pitchFamily="34" charset="0"/>
               </a:rPr>
               <a:t>Подключение к </a:t>
             </a:r>
             <a:r>
-              <a:rPr lang="ru-RU" dirty="0" err="1" smtClean="0">
+              <a:rPr lang="ru-RU" dirty="0" err="1">
                 <a:latin typeface="Calibri" pitchFamily="34" charset="0"/>
               </a:rPr>
               <a:t>бд</a:t>
@@ -3747,19 +3706,19 @@
           <a:lstStyle/>
           <a:p>
             <a:r>
-              <a:rPr lang="ru-RU" dirty="0" smtClean="0">
+              <a:rPr lang="ru-RU" dirty="0">
                 <a:latin typeface="Calibri" pitchFamily="34" charset="0"/>
               </a:rPr>
               <a:t>Пул соединений(</a:t>
             </a:r>
             <a:r>
-              <a:rPr lang="en-US" dirty="0" smtClean="0">
+              <a:rPr lang="en-US" dirty="0">
                 <a:latin typeface="Calibri" pitchFamily="34" charset="0"/>
               </a:rPr>
               <a:t>connection pool</a:t>
             </a:r>
             <a:r>
-              <a:rPr lang="ru-RU" dirty="0" smtClean="0">
+              <a:rPr lang="ru-RU" dirty="0">
                 <a:latin typeface="Calibri" pitchFamily="34" charset="0"/>
               </a:rPr>
               <a:t>)</a:t>
@@ -3806,37 +3765,37 @@
           <a:lstStyle/>
           <a:p>
             <a:r>
-              <a:rPr lang="en-US" dirty="0" err="1" smtClean="0">
+              <a:rPr lang="en-US" dirty="0" err="1">
                 <a:latin typeface="Calibri" pitchFamily="34" charset="0"/>
               </a:rPr>
               <a:t>var</a:t>
             </a:r>
             <a:r>
-              <a:rPr lang="en-US" dirty="0" smtClean="0">
+              <a:rPr lang="en-US" dirty="0">
                 <a:latin typeface="Calibri" pitchFamily="34" charset="0"/>
               </a:rPr>
               <a:t> </a:t>
             </a:r>
             <a:r>
-              <a:rPr lang="en-US" dirty="0" err="1" smtClean="0">
+              <a:rPr lang="en-US" dirty="0" err="1">
                 <a:latin typeface="Calibri" pitchFamily="34" charset="0"/>
               </a:rPr>
               <a:t>mysql</a:t>
             </a:r>
             <a:r>
-              <a:rPr lang="en-US" dirty="0" smtClean="0">
+              <a:rPr lang="en-US" dirty="0">
                 <a:latin typeface="Calibri" pitchFamily="34" charset="0"/>
               </a:rPr>
               <a:t> = require('</a:t>
             </a:r>
             <a:r>
-              <a:rPr lang="en-US" dirty="0" err="1" smtClean="0">
+              <a:rPr lang="en-US" dirty="0" err="1">
                 <a:latin typeface="Calibri" pitchFamily="34" charset="0"/>
               </a:rPr>
               <a:t>mysql</a:t>
             </a:r>
             <a:r>
-              <a:rPr lang="en-US" dirty="0" smtClean="0">
+              <a:rPr lang="en-US" dirty="0">
                 <a:latin typeface="Calibri" pitchFamily="34" charset="0"/>
               </a:rPr>
               <a:t>');</a:t>
@@ -3844,25 +3803,25 @@
           </a:p>
           <a:p>
             <a:r>
-              <a:rPr lang="en-US" dirty="0" err="1" smtClean="0">
+              <a:rPr lang="en-US" dirty="0" err="1">
                 <a:latin typeface="Calibri" pitchFamily="34" charset="0"/>
               </a:rPr>
               <a:t>var</a:t>
             </a:r>
             <a:r>
-              <a:rPr lang="en-US" dirty="0" smtClean="0">
+              <a:rPr lang="en-US" dirty="0">
                 <a:latin typeface="Calibri" pitchFamily="34" charset="0"/>
               </a:rPr>
               <a:t> pool = </a:t>
             </a:r>
             <a:r>
-              <a:rPr lang="en-US" dirty="0" err="1" smtClean="0">
+              <a:rPr lang="en-US" dirty="0" err="1">
                 <a:latin typeface="Calibri" pitchFamily="34" charset="0"/>
               </a:rPr>
               <a:t>mysql.createPool</a:t>
             </a:r>
             <a:r>
-              <a:rPr lang="en-US" dirty="0" smtClean="0">
+              <a:rPr lang="en-US" dirty="0">
                 <a:latin typeface="Calibri" pitchFamily="34" charset="0"/>
               </a:rPr>
               <a:t>({</a:t>
@@ -3870,19 +3829,19 @@
           </a:p>
           <a:p>
             <a:r>
-              <a:rPr lang="en-US" dirty="0" smtClean="0">
+              <a:rPr lang="en-US" dirty="0">
                 <a:latin typeface="Calibri" pitchFamily="34" charset="0"/>
               </a:rPr>
               <a:t>    </a:t>
             </a:r>
             <a:r>
-              <a:rPr lang="en-US" dirty="0" err="1" smtClean="0">
+              <a:rPr lang="en-US" dirty="0" err="1">
                 <a:latin typeface="Calibri" pitchFamily="34" charset="0"/>
               </a:rPr>
               <a:t>connectionLimit</a:t>
             </a:r>
             <a:r>
-              <a:rPr lang="en-US" dirty="0" smtClean="0">
+              <a:rPr lang="en-US" dirty="0">
                 <a:latin typeface="Calibri" pitchFamily="34" charset="0"/>
               </a:rPr>
               <a:t>: 10,</a:t>
@@ -3890,7 +3849,7 @@
           </a:p>
           <a:p>
             <a:r>
-              <a:rPr lang="en-US" dirty="0" smtClean="0">
+              <a:rPr lang="en-US" dirty="0">
                 <a:latin typeface="Calibri" pitchFamily="34" charset="0"/>
               </a:rPr>
               <a:t>    host: 'example.org',</a:t>
@@ -3898,7 +3857,7 @@
           </a:p>
           <a:p>
             <a:r>
-              <a:rPr lang="en-US" dirty="0" smtClean="0">
+              <a:rPr lang="en-US" dirty="0">
                 <a:latin typeface="Calibri" pitchFamily="34" charset="0"/>
               </a:rPr>
               <a:t>    user: 'bob',</a:t>
@@ -3906,7 +3865,7 @@
           </a:p>
           <a:p>
             <a:r>
-              <a:rPr lang="en-US" dirty="0" smtClean="0">
+              <a:rPr lang="en-US" dirty="0">
                 <a:latin typeface="Calibri" pitchFamily="34" charset="0"/>
               </a:rPr>
               <a:t>    password: 'secret',</a:t>
@@ -3914,19 +3873,19 @@
           </a:p>
           <a:p>
             <a:r>
-              <a:rPr lang="en-US" dirty="0" smtClean="0">
+              <a:rPr lang="en-US" dirty="0">
                 <a:latin typeface="Calibri" pitchFamily="34" charset="0"/>
               </a:rPr>
               <a:t>    database: '</a:t>
             </a:r>
             <a:r>
-              <a:rPr lang="en-US" dirty="0" err="1" smtClean="0">
+              <a:rPr lang="en-US" dirty="0" err="1">
                 <a:latin typeface="Calibri" pitchFamily="34" charset="0"/>
               </a:rPr>
               <a:t>my_db</a:t>
             </a:r>
             <a:r>
-              <a:rPr lang="en-US" dirty="0" smtClean="0">
+              <a:rPr lang="en-US" dirty="0">
                 <a:latin typeface="Calibri" pitchFamily="34" charset="0"/>
               </a:rPr>
               <a:t>'</a:t>
@@ -3934,7 +3893,7 @@
           </a:p>
           <a:p>
             <a:r>
-              <a:rPr lang="uk-UA" dirty="0" smtClean="0">
+              <a:rPr lang="uk-UA" dirty="0">
                 <a:latin typeface="Calibri" pitchFamily="34" charset="0"/>
               </a:rPr>
               <a:t>});</a:t>
@@ -3942,13 +3901,13 @@
           </a:p>
           <a:p>
             <a:r>
-              <a:rPr lang="en-US" dirty="0" err="1" smtClean="0">
+              <a:rPr lang="en-US" dirty="0" err="1">
                 <a:latin typeface="Calibri" pitchFamily="34" charset="0"/>
               </a:rPr>
               <a:t>pool.getConnection</a:t>
             </a:r>
             <a:r>
-              <a:rPr lang="en-US" dirty="0" smtClean="0">
+              <a:rPr lang="en-US" dirty="0">
                 <a:latin typeface="Calibri" pitchFamily="34" charset="0"/>
               </a:rPr>
               <a:t>(function (err, connection) {</a:t>
@@ -3956,7 +3915,7 @@
           </a:p>
           <a:p>
             <a:r>
-              <a:rPr lang="uk-UA" dirty="0" smtClean="0">
+              <a:rPr lang="uk-UA" dirty="0">
                 <a:latin typeface="Calibri" pitchFamily="34" charset="0"/>
               </a:rPr>
               <a:t>   </a:t>
@@ -3964,31 +3923,31 @@
           </a:p>
           <a:p>
             <a:r>
-              <a:rPr lang="en-US" dirty="0" smtClean="0">
+              <a:rPr lang="en-US" dirty="0">
                 <a:latin typeface="Calibri" pitchFamily="34" charset="0"/>
               </a:rPr>
               <a:t>    </a:t>
             </a:r>
             <a:r>
-              <a:rPr lang="en-US" dirty="0" err="1" smtClean="0">
+              <a:rPr lang="en-US" dirty="0" err="1">
                 <a:latin typeface="Calibri" pitchFamily="34" charset="0"/>
               </a:rPr>
               <a:t>connection.query</a:t>
             </a:r>
             <a:r>
-              <a:rPr lang="en-US" dirty="0" smtClean="0">
+              <a:rPr lang="en-US" dirty="0">
                 <a:latin typeface="Calibri" pitchFamily="34" charset="0"/>
               </a:rPr>
               <a:t>('SELECT something FROM </a:t>
             </a:r>
             <a:r>
-              <a:rPr lang="en-US" dirty="0" err="1" smtClean="0">
+              <a:rPr lang="en-US" dirty="0" err="1">
                 <a:latin typeface="Calibri" pitchFamily="34" charset="0"/>
               </a:rPr>
               <a:t>sometable</a:t>
             </a:r>
             <a:r>
-              <a:rPr lang="en-US" dirty="0" smtClean="0">
+              <a:rPr lang="en-US" dirty="0">
                 <a:latin typeface="Calibri" pitchFamily="34" charset="0"/>
               </a:rPr>
               <a:t>', function (err, rows) {</a:t>
@@ -3996,19 +3955,19 @@
           </a:p>
           <a:p>
             <a:r>
-              <a:rPr lang="en-US" dirty="0" smtClean="0">
+              <a:rPr lang="en-US" dirty="0">
                 <a:latin typeface="Calibri" pitchFamily="34" charset="0"/>
               </a:rPr>
               <a:t>        </a:t>
             </a:r>
             <a:r>
-              <a:rPr lang="en-US" dirty="0" err="1" smtClean="0">
+              <a:rPr lang="en-US" dirty="0" err="1">
                 <a:latin typeface="Calibri" pitchFamily="34" charset="0"/>
               </a:rPr>
               <a:t>connection.release</a:t>
             </a:r>
             <a:r>
-              <a:rPr lang="en-US" dirty="0" smtClean="0">
+              <a:rPr lang="en-US" dirty="0">
                 <a:latin typeface="Calibri" pitchFamily="34" charset="0"/>
               </a:rPr>
               <a:t>();</a:t>
@@ -4016,7 +3975,7 @@
           </a:p>
           <a:p>
             <a:r>
-              <a:rPr lang="uk-UA" dirty="0" smtClean="0">
+              <a:rPr lang="uk-UA" dirty="0">
                 <a:latin typeface="Calibri" pitchFamily="34" charset="0"/>
               </a:rPr>
               <a:t>    });</a:t>
@@ -4024,14 +3983,11 @@
           </a:p>
           <a:p>
             <a:r>
-              <a:rPr lang="uk-UA" dirty="0" smtClean="0">
+              <a:rPr lang="uk-UA" dirty="0">
                 <a:latin typeface="Calibri" pitchFamily="34" charset="0"/>
               </a:rPr>
               <a:t>})</a:t>
             </a:r>
-            <a:endParaRPr lang="uk-UA" dirty="0">
-              <a:latin typeface="Calibri" pitchFamily="34" charset="0"/>
-            </a:endParaRPr>
           </a:p>
         </p:txBody>
       </p:sp>
@@ -4091,7 +4047,7 @@
           <a:lstStyle/>
           <a:p>
             <a:r>
-              <a:rPr lang="ru-RU" sz="1400" dirty="0" smtClean="0">
+              <a:rPr lang="ru-RU" sz="1400" dirty="0">
                 <a:latin typeface="Calibri" pitchFamily="34" charset="0"/>
               </a:rPr>
               <a:t>Вернуть соединение в пул</a:t>
@@ -4143,13 +4099,13 @@
           <a:lstStyle/>
           <a:p>
             <a:r>
-              <a:rPr lang="ru-RU" dirty="0" smtClean="0">
+              <a:rPr lang="ru-RU" dirty="0">
                 <a:latin typeface="Calibri" pitchFamily="34" charset="0"/>
               </a:rPr>
               <a:t>Запросы к </a:t>
             </a:r>
             <a:r>
-              <a:rPr lang="ru-RU" dirty="0" err="1" smtClean="0">
+              <a:rPr lang="ru-RU" dirty="0" err="1">
                 <a:latin typeface="Calibri" pitchFamily="34" charset="0"/>
               </a:rPr>
               <a:t>бд</a:t>
@@ -4183,15 +4139,15 @@
           <a:lstStyle/>
           <a:p>
             <a:r>
-              <a:rPr lang="ru-RU" dirty="0" smtClean="0"/>
+              <a:rPr lang="ru-RU" dirty="0"/>
               <a:t>Запрос к базе данных(</a:t>
             </a:r>
             <a:r>
-              <a:rPr lang="en-US" dirty="0" smtClean="0"/>
+              <a:rPr lang="en-US" dirty="0"/>
               <a:t>query</a:t>
             </a:r>
             <a:r>
-              <a:rPr lang="ru-RU" dirty="0" smtClean="0"/>
+              <a:rPr lang="ru-RU" dirty="0"/>
               <a:t>) </a:t>
             </a:r>
             <a:endParaRPr lang="uk-UA" dirty="0"/>
@@ -4234,30 +4190,30 @@
           <a:lstStyle/>
           <a:p>
             <a:r>
-              <a:rPr lang="en-US" dirty="0" err="1" smtClean="0">
+              <a:rPr lang="en-US" dirty="0" err="1">
                 <a:latin typeface="Calibri" pitchFamily="34" charset="0"/>
               </a:rPr>
               <a:t>connection.</a:t>
             </a:r>
             <a:r>
-              <a:rPr lang="en-US" b="1" dirty="0" err="1" smtClean="0">
+              <a:rPr lang="en-US" b="1" dirty="0" err="1">
                 <a:latin typeface="Calibri" pitchFamily="34" charset="0"/>
               </a:rPr>
               <a:t>query</a:t>
             </a:r>
             <a:r>
-              <a:rPr lang="en-US" dirty="0" smtClean="0">
+              <a:rPr lang="en-US" dirty="0">
                 <a:latin typeface="Calibri" pitchFamily="34" charset="0"/>
               </a:rPr>
               <a:t>('SELECT * FROM `books` WHERE `author` = "David"', </a:t>
             </a:r>
-            <a:endParaRPr lang="ru-RU" dirty="0" smtClean="0">
+            <a:endParaRPr lang="ru-RU" dirty="0">
               <a:latin typeface="Calibri" pitchFamily="34" charset="0"/>
             </a:endParaRPr>
           </a:p>
           <a:p>
             <a:r>
-              <a:rPr lang="en-US" dirty="0" smtClean="0">
+              <a:rPr lang="en-US" dirty="0">
                 <a:latin typeface="Calibri" pitchFamily="34" charset="0"/>
               </a:rPr>
               <a:t>function (error, results, fields) {</a:t>
@@ -4265,55 +4221,52 @@
           </a:p>
           <a:p>
             <a:r>
-              <a:rPr lang="uk-UA" dirty="0" smtClean="0">
+              <a:rPr lang="uk-UA" dirty="0">
                 <a:latin typeface="Calibri" pitchFamily="34" charset="0"/>
               </a:rPr>
               <a:t>    </a:t>
             </a:r>
             <a:r>
-              <a:rPr lang="uk-UA" dirty="0" err="1" smtClean="0">
+              <a:rPr lang="uk-UA" dirty="0" err="1">
                 <a:latin typeface="Calibri" pitchFamily="34" charset="0"/>
               </a:rPr>
               <a:t>обработка</a:t>
             </a:r>
             <a:r>
-              <a:rPr lang="uk-UA" dirty="0" smtClean="0">
+              <a:rPr lang="uk-UA" dirty="0">
                 <a:latin typeface="Calibri" pitchFamily="34" charset="0"/>
               </a:rPr>
               <a:t> </a:t>
             </a:r>
             <a:r>
-              <a:rPr lang="uk-UA" dirty="0" err="1" smtClean="0">
+              <a:rPr lang="uk-UA" dirty="0" err="1">
                 <a:latin typeface="Calibri" pitchFamily="34" charset="0"/>
               </a:rPr>
               <a:t>результатов</a:t>
             </a:r>
             <a:r>
-              <a:rPr lang="uk-UA" dirty="0" smtClean="0">
+              <a:rPr lang="uk-UA" dirty="0">
                 <a:latin typeface="Calibri" pitchFamily="34" charset="0"/>
               </a:rPr>
               <a:t> </a:t>
             </a:r>
             <a:r>
-              <a:rPr lang="uk-UA" dirty="0" err="1" smtClean="0">
+              <a:rPr lang="uk-UA" dirty="0" err="1">
                 <a:latin typeface="Calibri" pitchFamily="34" charset="0"/>
               </a:rPr>
               <a:t>запроса</a:t>
-            </a:r>
-            <a:endParaRPr lang="uk-UA" dirty="0" smtClean="0">
-              <a:latin typeface="Calibri" pitchFamily="34" charset="0"/>
-            </a:endParaRPr>
-          </a:p>
-          <a:p>
-            <a:r>
-              <a:rPr lang="uk-UA" dirty="0" smtClean="0">
-                <a:latin typeface="Calibri" pitchFamily="34" charset="0"/>
-              </a:rPr>
-              <a:t>}</a:t>
             </a:r>
             <a:endParaRPr lang="uk-UA" dirty="0">
               <a:latin typeface="Calibri" pitchFamily="34" charset="0"/>
             </a:endParaRPr>
+          </a:p>
+          <a:p>
+            <a:r>
+              <a:rPr lang="uk-UA" dirty="0">
+                <a:latin typeface="Calibri" pitchFamily="34" charset="0"/>
+              </a:rPr>
+              <a:t>}</a:t>
+            </a:r>
           </a:p>
         </p:txBody>
       </p:sp>
@@ -4340,13 +4293,13 @@
           <a:lstStyle/>
           <a:p>
             <a:r>
-              <a:rPr lang="ru-RU" dirty="0" smtClean="0">
+              <a:rPr lang="ru-RU" dirty="0">
                 <a:latin typeface="Calibri" pitchFamily="34" charset="0"/>
               </a:rPr>
               <a:t>Простой запрос</a:t>
             </a:r>
             <a:r>
-              <a:rPr lang="en-US" dirty="0" smtClean="0">
+              <a:rPr lang="en-US" dirty="0">
                 <a:latin typeface="Calibri" pitchFamily="34" charset="0"/>
               </a:rPr>
               <a:t>: </a:t>
@@ -4380,13 +4333,13 @@
           <a:lstStyle/>
           <a:p>
             <a:r>
-              <a:rPr lang="ru-RU" dirty="0" smtClean="0">
+              <a:rPr lang="ru-RU" dirty="0">
                 <a:latin typeface="Calibri" pitchFamily="34" charset="0"/>
               </a:rPr>
               <a:t>Запрос с шифрованием передаваемых в запросе данных</a:t>
             </a:r>
             <a:r>
-              <a:rPr lang="en-US" dirty="0" smtClean="0">
+              <a:rPr lang="en-US" dirty="0">
                 <a:latin typeface="Calibri" pitchFamily="34" charset="0"/>
               </a:rPr>
               <a:t>: </a:t>
@@ -4433,54 +4386,54 @@
           <a:lstStyle/>
           <a:p>
             <a:r>
-              <a:rPr lang="en-US" dirty="0" err="1" smtClean="0">
+              <a:rPr lang="en-US" dirty="0" err="1">
                 <a:latin typeface="Calibri" pitchFamily="34" charset="0"/>
               </a:rPr>
               <a:t>connection.</a:t>
             </a:r>
             <a:r>
-              <a:rPr lang="en-US" b="1" dirty="0" err="1" smtClean="0">
+              <a:rPr lang="en-US" b="1" dirty="0" err="1">
                 <a:latin typeface="Calibri" pitchFamily="34" charset="0"/>
               </a:rPr>
               <a:t>query</a:t>
             </a:r>
             <a:r>
-              <a:rPr lang="en-US" dirty="0" smtClean="0">
+              <a:rPr lang="en-US" dirty="0">
                 <a:latin typeface="Calibri" pitchFamily="34" charset="0"/>
               </a:rPr>
               <a:t>('SELECT * FROM users WHERE id = </a:t>
             </a:r>
             <a:r>
-              <a:rPr lang="en-US" b="1" dirty="0" smtClean="0">
+              <a:rPr lang="en-US" b="1" dirty="0">
                 <a:latin typeface="Calibri" pitchFamily="34" charset="0"/>
               </a:rPr>
               <a:t>?</a:t>
             </a:r>
             <a:r>
-              <a:rPr lang="en-US" dirty="0" smtClean="0">
+              <a:rPr lang="en-US" dirty="0">
                 <a:latin typeface="Calibri" pitchFamily="34" charset="0"/>
               </a:rPr>
               <a:t>', [</a:t>
             </a:r>
             <a:r>
-              <a:rPr lang="en-US" b="1" dirty="0" err="1" smtClean="0">
+              <a:rPr lang="en-US" b="1" dirty="0" err="1">
                 <a:latin typeface="Calibri" pitchFamily="34" charset="0"/>
               </a:rPr>
               <a:t>userId</a:t>
             </a:r>
             <a:r>
-              <a:rPr lang="en-US" dirty="0" smtClean="0">
+              <a:rPr lang="en-US" dirty="0">
                 <a:latin typeface="Calibri" pitchFamily="34" charset="0"/>
               </a:rPr>
               <a:t>], </a:t>
             </a:r>
-            <a:endParaRPr lang="ru-RU" dirty="0" smtClean="0">
+            <a:endParaRPr lang="ru-RU" dirty="0">
               <a:latin typeface="Calibri" pitchFamily="34" charset="0"/>
             </a:endParaRPr>
           </a:p>
           <a:p>
             <a:r>
-              <a:rPr lang="en-US" dirty="0" smtClean="0">
+              <a:rPr lang="en-US" dirty="0">
                 <a:latin typeface="Calibri" pitchFamily="34" charset="0"/>
               </a:rPr>
               <a:t>function(err, results) {</a:t>
@@ -4488,7 +4441,7 @@
           </a:p>
           <a:p>
             <a:r>
-              <a:rPr lang="uk-UA" dirty="0" smtClean="0">
+              <a:rPr lang="uk-UA" dirty="0">
                 <a:latin typeface="Calibri" pitchFamily="34" charset="0"/>
               </a:rPr>
               <a:t>    // ...</a:t>
@@ -4496,14 +4449,11 @@
           </a:p>
           <a:p>
             <a:r>
-              <a:rPr lang="uk-UA" dirty="0" smtClean="0">
+              <a:rPr lang="uk-UA" dirty="0">
                 <a:latin typeface="Calibri" pitchFamily="34" charset="0"/>
               </a:rPr>
               <a:t>});</a:t>
             </a:r>
-            <a:endParaRPr lang="uk-UA" dirty="0">
-              <a:latin typeface="Calibri" pitchFamily="34" charset="0"/>
-            </a:endParaRPr>
           </a:p>
         </p:txBody>
       </p:sp>

--- a/NodeJS/lesson_31/Presentation/mysql.pptx
+++ b/NodeJS/lesson_31/Presentation/mysql.pptx
@@ -214,7 +214,7 @@
             <a:fld id="{979F38AC-FDA7-486B-9D0E-1B2B76763EDE}" type="datetimeFigureOut">
               <a:rPr lang="uk-UA" smtClean="0"/>
               <a:pPr/>
-              <a:t>02.10.2016</a:t>
+              <a:t>03.10.2016</a:t>
             </a:fld>
             <a:endParaRPr lang="uk-UA"/>
           </a:p>
@@ -2448,9 +2448,9 @@
                 <a:solidFill>
                   <a:schemeClr val="bg1"/>
                 </a:solidFill>
-                <a:latin typeface="Calibri" pitchFamily="34" charset="0"/>
+                <a:latin typeface="Calibri Light" panose="020F0302020204030204" pitchFamily="34" charset="0"/>
                 <a:ea typeface="Roboto Thin" panose="02000000000000000000" pitchFamily="2" charset="0"/>
-                <a:cs typeface="Roboto Thin" panose="02000000000000000000" pitchFamily="2" charset="0"/>
+                <a:cs typeface="Calibri Light" panose="020F0302020204030204" pitchFamily="34" charset="0"/>
               </a:rPr>
               <a:t>NodeJS</a:t>
             </a:r>
@@ -2458,9 +2458,9 @@
               <a:solidFill>
                 <a:srgbClr val="7564BC"/>
               </a:solidFill>
-              <a:latin typeface="Calibri" pitchFamily="34" charset="0"/>
+              <a:latin typeface="Calibri Light" panose="020F0302020204030204" pitchFamily="34" charset="0"/>
               <a:ea typeface="Roboto Thin" panose="02000000000000000000" pitchFamily="2" charset="0"/>
-              <a:cs typeface="Roboto Thin" panose="02000000000000000000" pitchFamily="2" charset="0"/>
+              <a:cs typeface="Calibri Light" panose="020F0302020204030204" pitchFamily="34" charset="0"/>
             </a:endParaRPr>
           </a:p>
         </p:txBody>
